--- a/0_presentations/archive/finalproj_presentation_chenjoy.pptx
+++ b/0_presentations/archive/finalproj_presentation_chenjoy.pptx
@@ -365,7 +365,7 @@
           <a:p>
             <a:fld id="{97A61B55-A090-4F0D-A50D-1601538E3530}" type="datetimeFigureOut">
               <a:rPr lang="en-US" smtClean="0"/>
-              <a:t>6/3/2019</a:t>
+              <a:t>6/4/2019</a:t>
             </a:fld>
             <a:endParaRPr lang="en-US"/>
           </a:p>
@@ -545,7 +545,7 @@
           <a:p>
             <a:fld id="{97A61B55-A090-4F0D-A50D-1601538E3530}" type="datetimeFigureOut">
               <a:rPr lang="en-US" smtClean="0"/>
-              <a:t>6/3/2019</a:t>
+              <a:t>6/4/2019</a:t>
             </a:fld>
             <a:endParaRPr lang="en-US"/>
           </a:p>
@@ -1018,7 +1018,7 @@
           <a:p>
             <a:fld id="{97A61B55-A090-4F0D-A50D-1601538E3530}" type="datetimeFigureOut">
               <a:rPr lang="en-US" smtClean="0"/>
-              <a:t>6/3/2019</a:t>
+              <a:t>6/4/2019</a:t>
             </a:fld>
             <a:endParaRPr lang="en-US"/>
           </a:p>
@@ -1250,7 +1250,7 @@
           <a:p>
             <a:fld id="{97A61B55-A090-4F0D-A50D-1601538E3530}" type="datetimeFigureOut">
               <a:rPr lang="en-US" smtClean="0"/>
-              <a:t>6/3/2019</a:t>
+              <a:t>6/4/2019</a:t>
             </a:fld>
             <a:endParaRPr lang="en-US"/>
           </a:p>
@@ -1617,7 +1617,7 @@
           <a:p>
             <a:fld id="{97A61B55-A090-4F0D-A50D-1601538E3530}" type="datetimeFigureOut">
               <a:rPr lang="en-US" smtClean="0"/>
-              <a:t>6/3/2019</a:t>
+              <a:t>6/4/2019</a:t>
             </a:fld>
             <a:endParaRPr lang="en-US"/>
           </a:p>
@@ -1735,7 +1735,7 @@
           <a:p>
             <a:fld id="{97A61B55-A090-4F0D-A50D-1601538E3530}" type="datetimeFigureOut">
               <a:rPr lang="en-US" smtClean="0"/>
-              <a:t>6/3/2019</a:t>
+              <a:t>6/4/2019</a:t>
             </a:fld>
             <a:endParaRPr lang="en-US"/>
           </a:p>
@@ -1830,7 +1830,7 @@
           <a:p>
             <a:fld id="{97A61B55-A090-4F0D-A50D-1601538E3530}" type="datetimeFigureOut">
               <a:rPr lang="en-US" smtClean="0"/>
-              <a:t>6/3/2019</a:t>
+              <a:t>6/4/2019</a:t>
             </a:fld>
             <a:endParaRPr lang="en-US"/>
           </a:p>
@@ -2107,7 +2107,7 @@
           <a:p>
             <a:fld id="{97A61B55-A090-4F0D-A50D-1601538E3530}" type="datetimeFigureOut">
               <a:rPr lang="en-US" smtClean="0"/>
-              <a:t>6/3/2019</a:t>
+              <a:t>6/4/2019</a:t>
             </a:fld>
             <a:endParaRPr lang="en-US"/>
           </a:p>
@@ -2364,7 +2364,7 @@
           <a:p>
             <a:fld id="{97A61B55-A090-4F0D-A50D-1601538E3530}" type="datetimeFigureOut">
               <a:rPr lang="en-US" smtClean="0"/>
-              <a:t>6/3/2019</a:t>
+              <a:t>6/4/2019</a:t>
             </a:fld>
             <a:endParaRPr lang="en-US"/>
           </a:p>
@@ -2577,7 +2577,7 @@
           <a:p>
             <a:fld id="{97A61B55-A090-4F0D-A50D-1601538E3530}" type="datetimeFigureOut">
               <a:rPr lang="en-US" smtClean="0"/>
-              <a:t>6/3/2019</a:t>
+              <a:t>6/4/2019</a:t>
             </a:fld>
             <a:endParaRPr lang="en-US"/>
           </a:p>
@@ -10299,7 +10299,23 @@
             </a:pPr>
             <a:r>
               <a:rPr lang="en-US" dirty="0"/>
-              <a:t>All data presented in this analysis is the property of Norwegian Air Shuttle and used for personal academic and educational purposes only. </a:t>
+              <a:t>All data presented in this analysis is collected in </a:t>
+            </a:r>
+            <a:r>
+              <a:rPr lang="en-US" dirty="0" err="1"/>
+              <a:t>adhereance</a:t>
+            </a:r>
+            <a:r>
+              <a:rPr lang="en-US" dirty="0"/>
+              <a:t> to Norwegian Air Shuttle </a:t>
+            </a:r>
+            <a:r>
+              <a:rPr lang="en-US"/>
+              <a:t>data policies and </a:t>
+            </a:r>
+            <a:r>
+              <a:rPr lang="en-US" dirty="0"/>
+              <a:t>used for personal academic and educational purposes only. </a:t>
             </a:r>
           </a:p>
         </p:txBody>
